--- a/Impedance_Board/Combined Circuit.pptx
+++ b/Impedance_Board/Combined Circuit.pptx
@@ -8,6 +8,7 @@
     <p:sldId id="256" r:id="rId2"/>
     <p:sldId id="258" r:id="rId3"/>
     <p:sldId id="257" r:id="rId4"/>
+    <p:sldId id="259" r:id="rId5"/>
   </p:sldIdLst>
   <p:sldSz cx="12192000" cy="6858000"/>
   <p:notesSz cx="6858000" cy="9144000"/>
@@ -106,7 +107,40 @@
       </a:defRPr>
     </a:lvl9pPr>
   </p:defaultTextStyle>
+  <p:extLst>
+    <p:ext uri="{EFAFB233-063F-42B5-8137-9DF3F51BA10A}">
+      <p15:sldGuideLst xmlns:p15="http://schemas.microsoft.com/office/powerpoint/2012/main"/>
+    </p:ext>
+  </p:extLst>
 </p:presentation>
+</file>
+
+<file path=ppt/ink/ink1.xml><?xml version="1.0" encoding="utf-8"?>
+<inkml:ink xmlns:inkml="http://www.w3.org/2003/InkML">
+  <inkml:definitions>
+    <inkml:context xml:id="ctx0">
+      <inkml:inkSource xml:id="inkSrc0">
+        <inkml:traceFormat>
+          <inkml:channel name="X" type="integer" min="-2.14748E9" max="2.14748E9" units="cm"/>
+          <inkml:channel name="Y" type="integer" min="-2.14748E9" max="2.14748E9" units="cm"/>
+          <inkml:channel name="F" type="integer" max="32767" units="dev"/>
+        </inkml:traceFormat>
+        <inkml:channelProperties>
+          <inkml:channelProperty channel="X" name="resolution" value="1000" units="1/cm"/>
+          <inkml:channelProperty channel="Y" name="resolution" value="1000" units="1/cm"/>
+          <inkml:channelProperty channel="F" name="resolution" value="0" units="1/dev"/>
+        </inkml:channelProperties>
+      </inkml:inkSource>
+      <inkml:timestamp xml:id="ts0" timeString="2024-01-18T23:18:49.608"/>
+    </inkml:context>
+    <inkml:brush xml:id="br0">
+      <inkml:brushProperty name="width" value="0.05" units="cm"/>
+      <inkml:brushProperty name="height" value="0.05" units="cm"/>
+      <inkml:brushProperty name="color" value="#E71224"/>
+    </inkml:brush>
+  </inkml:definitions>
+  <inkml:trace contextRef="#ctx0" brushRef="#br0">3587 187 24575,'-16'-10'0,"4"3"0,-10-2 0,0 1 0,-1 1 0,-31-4 0,-75-6 0,26 4 0,-491-47 0,233 39 0,-100-2 0,303 25 0,-172 24 0,203-9 0,-210 32 0,264-34 0,0 3 0,-106 41 0,142-43 0,1 1 0,1 1 0,-40 29 0,55-33 0,0 2 0,1 1 0,1 0 0,1 1 0,0 1 0,-18 26 0,6 0 0,1 2 0,-36 83 0,51-97 0,1 1 0,2 0 0,1 0 0,2 1 0,-4 41 0,11-59 0,0 0 0,1-1 0,1 1 0,1 0 0,0-1 0,1 0 0,1 0 0,0 0 0,2 0 0,-1-1 0,11 17 0,8 9 0,2 0 0,50 57 0,-37-53 0,2-2 0,49 39 0,103 67 0,-148-115 0,38 28 0,2-4 0,3-3 0,2-5 0,181 72 0,214 36 0,-323-116 0,173 23 0,355 13 0,-395-47 0,311 6 0,-1-35 0,-468-3 0,-33 0 0,169-24 0,-227 17 0,-1-2 0,0-2 0,0-2 0,-1-2 0,83-43 0,-66 22 0,-2-3 0,-2-3 0,-2-2 0,-2-2 0,62-70 0,-100 100 0,-1-2 0,0 0 0,-1-1 0,-1 0 0,14-32 0,-20 35 0,0 0 0,-2-1 0,0 1 0,-1-1 0,0 0 0,-2-1 0,1-32 0,-3 20 0,-2 1 0,-10-59 0,8 70 0,-1 1 0,-1 0 0,-1 1 0,0-1 0,-1 1 0,-12-18 0,-22-25 0,-2 1 0,-3 2 0,-2 2 0,-3 3 0,-77-62 0,13 25 0,-217-125 0,272 181 0,-102-39 0,-71-9 0,176 66 0,-97-14 0,-7-1 0,98 14 0,-22-7 0,-110-13 0,125 29 0,-1 3 0,-101 7 0,169-3-124,1 1 0,0-1 0,-1 1 0,1 0 0,0 0 0,0 0-1,0 1 1,0-1 0,0 1 0,-4 2 0</inkml:trace>
+</inkml:ink>
 </file>
 
 <file path=ppt/slideLayouts/slideLayout1.xml><?xml version="1.0" encoding="utf-8"?>
@@ -256,7 +290,7 @@
           <a:p>
             <a:fld id="{EC70A142-1D68-4AD5-8AD8-14A135E50EAD}" type="datetimeFigureOut">
               <a:rPr lang="en-US" smtClean="0"/>
-              <a:t>10/25/2023</a:t>
+              <a:t>1/18/2024</a:t>
             </a:fld>
             <a:endParaRPr lang="en-US"/>
           </a:p>
@@ -454,7 +488,7 @@
           <a:p>
             <a:fld id="{EC70A142-1D68-4AD5-8AD8-14A135E50EAD}" type="datetimeFigureOut">
               <a:rPr lang="en-US" smtClean="0"/>
-              <a:t>10/25/2023</a:t>
+              <a:t>1/18/2024</a:t>
             </a:fld>
             <a:endParaRPr lang="en-US"/>
           </a:p>
@@ -662,7 +696,7 @@
           <a:p>
             <a:fld id="{EC70A142-1D68-4AD5-8AD8-14A135E50EAD}" type="datetimeFigureOut">
               <a:rPr lang="en-US" smtClean="0"/>
-              <a:t>10/25/2023</a:t>
+              <a:t>1/18/2024</a:t>
             </a:fld>
             <a:endParaRPr lang="en-US"/>
           </a:p>
@@ -860,7 +894,7 @@
           <a:p>
             <a:fld id="{EC70A142-1D68-4AD5-8AD8-14A135E50EAD}" type="datetimeFigureOut">
               <a:rPr lang="en-US" smtClean="0"/>
-              <a:t>10/25/2023</a:t>
+              <a:t>1/18/2024</a:t>
             </a:fld>
             <a:endParaRPr lang="en-US"/>
           </a:p>
@@ -1135,7 +1169,7 @@
           <a:p>
             <a:fld id="{EC70A142-1D68-4AD5-8AD8-14A135E50EAD}" type="datetimeFigureOut">
               <a:rPr lang="en-US" smtClean="0"/>
-              <a:t>10/25/2023</a:t>
+              <a:t>1/18/2024</a:t>
             </a:fld>
             <a:endParaRPr lang="en-US"/>
           </a:p>
@@ -1400,7 +1434,7 @@
           <a:p>
             <a:fld id="{EC70A142-1D68-4AD5-8AD8-14A135E50EAD}" type="datetimeFigureOut">
               <a:rPr lang="en-US" smtClean="0"/>
-              <a:t>10/25/2023</a:t>
+              <a:t>1/18/2024</a:t>
             </a:fld>
             <a:endParaRPr lang="en-US"/>
           </a:p>
@@ -1812,7 +1846,7 @@
           <a:p>
             <a:fld id="{EC70A142-1D68-4AD5-8AD8-14A135E50EAD}" type="datetimeFigureOut">
               <a:rPr lang="en-US" smtClean="0"/>
-              <a:t>10/25/2023</a:t>
+              <a:t>1/18/2024</a:t>
             </a:fld>
             <a:endParaRPr lang="en-US"/>
           </a:p>
@@ -1953,7 +1987,7 @@
           <a:p>
             <a:fld id="{EC70A142-1D68-4AD5-8AD8-14A135E50EAD}" type="datetimeFigureOut">
               <a:rPr lang="en-US" smtClean="0"/>
-              <a:t>10/25/2023</a:t>
+              <a:t>1/18/2024</a:t>
             </a:fld>
             <a:endParaRPr lang="en-US"/>
           </a:p>
@@ -2066,7 +2100,7 @@
           <a:p>
             <a:fld id="{EC70A142-1D68-4AD5-8AD8-14A135E50EAD}" type="datetimeFigureOut">
               <a:rPr lang="en-US" smtClean="0"/>
-              <a:t>10/25/2023</a:t>
+              <a:t>1/18/2024</a:t>
             </a:fld>
             <a:endParaRPr lang="en-US"/>
           </a:p>
@@ -2377,7 +2411,7 @@
           <a:p>
             <a:fld id="{EC70A142-1D68-4AD5-8AD8-14A135E50EAD}" type="datetimeFigureOut">
               <a:rPr lang="en-US" smtClean="0"/>
-              <a:t>10/25/2023</a:t>
+              <a:t>1/18/2024</a:t>
             </a:fld>
             <a:endParaRPr lang="en-US"/>
           </a:p>
@@ -2665,7 +2699,7 @@
           <a:p>
             <a:fld id="{EC70A142-1D68-4AD5-8AD8-14A135E50EAD}" type="datetimeFigureOut">
               <a:rPr lang="en-US" smtClean="0"/>
-              <a:t>10/25/2023</a:t>
+              <a:t>1/18/2024</a:t>
             </a:fld>
             <a:endParaRPr lang="en-US"/>
           </a:p>
@@ -2906,7 +2940,7 @@
           <a:p>
             <a:fld id="{EC70A142-1D68-4AD5-8AD8-14A135E50EAD}" type="datetimeFigureOut">
               <a:rPr lang="en-US" smtClean="0"/>
-              <a:t>10/25/2023</a:t>
+              <a:t>1/18/2024</a:t>
             </a:fld>
             <a:endParaRPr lang="en-US"/>
           </a:p>
@@ -12459,6 +12493,244 @@
 </p:sld>
 </file>
 
+<file path=ppt/slides/slide4.xml><?xml version="1.0" encoding="utf-8"?>
+<p:sld xmlns:a="http://schemas.openxmlformats.org/drawingml/2006/main" xmlns:r="http://schemas.openxmlformats.org/officeDocument/2006/relationships" xmlns:p="http://schemas.openxmlformats.org/presentationml/2006/main">
+  <p:cSld>
+    <p:spTree>
+      <p:nvGrpSpPr>
+        <p:cNvPr id="1" name=""/>
+        <p:cNvGrpSpPr/>
+        <p:nvPr/>
+      </p:nvGrpSpPr>
+      <p:grpSpPr>
+        <a:xfrm>
+          <a:off x="0" y="0"/>
+          <a:ext cx="0" cy="0"/>
+          <a:chOff x="0" y="0"/>
+          <a:chExt cx="0" cy="0"/>
+        </a:xfrm>
+      </p:grpSpPr>
+      <p:pic>
+        <p:nvPicPr>
+          <p:cNvPr id="3" name="Picture 2">
+            <a:extLst>
+              <a:ext uri="{FF2B5EF4-FFF2-40B4-BE49-F238E27FC236}">
+                <a16:creationId xmlns:a16="http://schemas.microsoft.com/office/drawing/2014/main" id="{50E18FDC-7DA0-843B-DF15-69243562A616}"/>
+              </a:ext>
+            </a:extLst>
+          </p:cNvPr>
+          <p:cNvPicPr>
+            <a:picLocks noChangeAspect="1"/>
+          </p:cNvPicPr>
+          <p:nvPr/>
+        </p:nvPicPr>
+        <p:blipFill>
+          <a:blip r:embed="rId2"/>
+          <a:stretch>
+            <a:fillRect/>
+          </a:stretch>
+        </p:blipFill>
+        <p:spPr>
+          <a:xfrm>
+            <a:off x="436880" y="701736"/>
+            <a:ext cx="7841279" cy="4155537"/>
+          </a:xfrm>
+          <a:prstGeom prst="rect">
+            <a:avLst/>
+          </a:prstGeom>
+        </p:spPr>
+      </p:pic>
+      <mc:AlternateContent xmlns:mc="http://schemas.openxmlformats.org/markup-compatibility/2006">
+        <mc:Choice xmlns:p14="http://schemas.microsoft.com/office/powerpoint/2010/main" Requires="p14">
+          <p:contentPart p14:bwMode="auto" r:id="rId3">
+            <p14:nvContentPartPr>
+              <p14:cNvPr id="4" name="Ink 3">
+                <a:extLst>
+                  <a:ext uri="{FF2B5EF4-FFF2-40B4-BE49-F238E27FC236}">
+                    <a16:creationId xmlns:a16="http://schemas.microsoft.com/office/drawing/2014/main" id="{57F046B3-2AEC-021F-E4F7-70EBC43BE6FC}"/>
+                  </a:ext>
+                </a:extLst>
+              </p14:cNvPr>
+              <p14:cNvContentPartPr/>
+              <p14:nvPr/>
+            </p14:nvContentPartPr>
+            <p14:xfrm>
+              <a:off x="2173200" y="2315480"/>
+              <a:ext cx="2095560" cy="865080"/>
+            </p14:xfrm>
+          </p:contentPart>
+        </mc:Choice>
+        <mc:Fallback>
+          <p:pic>
+            <p:nvPicPr>
+              <p:cNvPr id="4" name="Ink 3">
+                <a:extLst>
+                  <a:ext uri="{FF2B5EF4-FFF2-40B4-BE49-F238E27FC236}">
+                    <a16:creationId xmlns:a16="http://schemas.microsoft.com/office/drawing/2014/main" id="{57F046B3-2AEC-021F-E4F7-70EBC43BE6FC}"/>
+                  </a:ext>
+                </a:extLst>
+              </p:cNvPr>
+              <p:cNvPicPr/>
+              <p:nvPr/>
+            </p:nvPicPr>
+            <p:blipFill>
+              <a:blip r:embed="rId4"/>
+              <a:stretch>
+                <a:fillRect/>
+              </a:stretch>
+            </p:blipFill>
+            <p:spPr>
+              <a:xfrm>
+                <a:off x="2164560" y="2306840"/>
+                <a:ext cx="2113200" cy="882720"/>
+              </a:xfrm>
+              <a:prstGeom prst="rect">
+                <a:avLst/>
+              </a:prstGeom>
+            </p:spPr>
+          </p:pic>
+        </mc:Fallback>
+      </mc:AlternateContent>
+      <p:sp>
+        <p:nvSpPr>
+          <p:cNvPr id="5" name="TextBox 4">
+            <a:extLst>
+              <a:ext uri="{FF2B5EF4-FFF2-40B4-BE49-F238E27FC236}">
+                <a16:creationId xmlns:a16="http://schemas.microsoft.com/office/drawing/2014/main" id="{94CC0515-A605-1159-EBE4-14323828D26C}"/>
+              </a:ext>
+            </a:extLst>
+          </p:cNvPr>
+          <p:cNvSpPr txBox="1"/>
+          <p:nvPr/>
+        </p:nvSpPr>
+        <p:spPr>
+          <a:xfrm>
+            <a:off x="1803400" y="2748020"/>
+            <a:ext cx="3377976" cy="369332"/>
+          </a:xfrm>
+          <a:prstGeom prst="rect">
+            <a:avLst/>
+          </a:prstGeom>
+          <a:noFill/>
+        </p:spPr>
+        <p:txBody>
+          <a:bodyPr wrap="none" rtlCol="0">
+            <a:spAutoFit/>
+          </a:bodyPr>
+          <a:lstStyle/>
+          <a:p>
+            <a:r>
+              <a:rPr lang="en-US" dirty="0"/>
+              <a:t>Needs to be added for </a:t>
+            </a:r>
+            <a:r>
+              <a:rPr lang="en-US" dirty="0" err="1"/>
+              <a:t>callibration</a:t>
+            </a:r>
+            <a:endParaRPr lang="en-US" dirty="0"/>
+          </a:p>
+        </p:txBody>
+      </p:sp>
+      <p:sp>
+        <p:nvSpPr>
+          <p:cNvPr id="6" name="TextBox 5">
+            <a:extLst>
+              <a:ext uri="{FF2B5EF4-FFF2-40B4-BE49-F238E27FC236}">
+                <a16:creationId xmlns:a16="http://schemas.microsoft.com/office/drawing/2014/main" id="{7CB7A418-0897-44CC-B8AD-D21BFCC790DB}"/>
+              </a:ext>
+            </a:extLst>
+          </p:cNvPr>
+          <p:cNvSpPr txBox="1"/>
+          <p:nvPr/>
+        </p:nvSpPr>
+        <p:spPr>
+          <a:xfrm>
+            <a:off x="482600" y="5289813"/>
+            <a:ext cx="8378769" cy="1200329"/>
+          </a:xfrm>
+          <a:prstGeom prst="rect">
+            <a:avLst/>
+          </a:prstGeom>
+          <a:noFill/>
+        </p:spPr>
+        <p:txBody>
+          <a:bodyPr wrap="none" rtlCol="0">
+            <a:spAutoFit/>
+          </a:bodyPr>
+          <a:lstStyle/>
+          <a:p>
+            <a:r>
+              <a:rPr lang="en-US" dirty="0"/>
+              <a:t>If you want LK1 and LK2 controlled digitally you can use analog switch: MC74VHC1GT66</a:t>
+            </a:r>
+          </a:p>
+          <a:p>
+            <a:r>
+              <a:rPr lang="en-US" dirty="0"/>
+              <a:t>In the example diagram on the right (from an other project), </a:t>
+            </a:r>
+          </a:p>
+          <a:p>
+            <a:r>
+              <a:rPr lang="en-US"/>
+              <a:t>the </a:t>
+            </a:r>
+            <a:r>
+              <a:rPr lang="en-US" dirty="0"/>
+              <a:t>capacitor 100nF is connected to ground if SENS_FILTER from</a:t>
+            </a:r>
+          </a:p>
+          <a:p>
+            <a:r>
+              <a:rPr lang="en-US" dirty="0"/>
+              <a:t>Microcontroller is set high/low.</a:t>
+            </a:r>
+          </a:p>
+        </p:txBody>
+      </p:sp>
+      <p:pic>
+        <p:nvPicPr>
+          <p:cNvPr id="8" name="Picture 7">
+            <a:extLst>
+              <a:ext uri="{FF2B5EF4-FFF2-40B4-BE49-F238E27FC236}">
+                <a16:creationId xmlns:a16="http://schemas.microsoft.com/office/drawing/2014/main" id="{B84EE2CD-4753-7561-1936-692B0C572E1D}"/>
+              </a:ext>
+            </a:extLst>
+          </p:cNvPr>
+          <p:cNvPicPr>
+            <a:picLocks noChangeAspect="1"/>
+          </p:cNvPicPr>
+          <p:nvPr/>
+        </p:nvPicPr>
+        <p:blipFill>
+          <a:blip r:embed="rId5"/>
+          <a:stretch>
+            <a:fillRect/>
+          </a:stretch>
+        </p:blipFill>
+        <p:spPr>
+          <a:xfrm>
+            <a:off x="9420685" y="4236625"/>
+            <a:ext cx="2019475" cy="2194750"/>
+          </a:xfrm>
+          <a:prstGeom prst="rect">
+            <a:avLst/>
+          </a:prstGeom>
+        </p:spPr>
+      </p:pic>
+    </p:spTree>
+    <p:extLst>
+      <p:ext uri="{BB962C8B-B14F-4D97-AF65-F5344CB8AC3E}">
+        <p14:creationId xmlns:p14="http://schemas.microsoft.com/office/powerpoint/2010/main" val="131453379"/>
+      </p:ext>
+    </p:extLst>
+  </p:cSld>
+  <p:clrMapOvr>
+    <a:masterClrMapping/>
+  </p:clrMapOvr>
+</p:sld>
+</file>
+
 <file path=ppt/theme/theme1.xml><?xml version="1.0" encoding="utf-8"?>
 <a:theme xmlns:a="http://schemas.openxmlformats.org/drawingml/2006/main" name="Office Theme">
   <a:themeElements>
